--- a/ppt 16-9/1119.几度风雨.pptx
+++ b/ppt 16-9/1119.几度风雨.pptx
@@ -129,7 +129,7 @@
           <p:cNvPr id="2" name="标题 1">
             <a:extLst>
               <a:ext uri="{FF2B5EF4-FFF2-40B4-BE49-F238E27FC236}">
-                <a16:creationId xmlns:a16="http://schemas.microsoft.com/office/drawing/2014/main" id="{D8DE11A1-D846-23E8-60FE-C8C49F9849D6}"/>
+                <a16:creationId xmlns:a16="http://schemas.microsoft.com/office/drawing/2014/main" id="{5B56ACBD-E616-1E0C-5408-584459706DCD}"/>
               </a:ext>
             </a:extLst>
           </p:cNvPr>
@@ -166,7 +166,7 @@
           <p:cNvPr id="3" name="副标题 2">
             <a:extLst>
               <a:ext uri="{FF2B5EF4-FFF2-40B4-BE49-F238E27FC236}">
-                <a16:creationId xmlns:a16="http://schemas.microsoft.com/office/drawing/2014/main" id="{DE9F6FEB-598B-2DCA-F2B2-4806744D1093}"/>
+                <a16:creationId xmlns:a16="http://schemas.microsoft.com/office/drawing/2014/main" id="{9867AFCB-A8A3-F533-CBD3-E24671DFF8EB}"/>
               </a:ext>
             </a:extLst>
           </p:cNvPr>
@@ -236,7 +236,7 @@
           <p:cNvPr id="4" name="日期占位符 3">
             <a:extLst>
               <a:ext uri="{FF2B5EF4-FFF2-40B4-BE49-F238E27FC236}">
-                <a16:creationId xmlns:a16="http://schemas.microsoft.com/office/drawing/2014/main" id="{9F7CF1BC-7957-66C4-6F85-066431BAEC31}"/>
+                <a16:creationId xmlns:a16="http://schemas.microsoft.com/office/drawing/2014/main" id="{FDE89035-4155-F715-8B03-911DBBAB14CE}"/>
               </a:ext>
             </a:extLst>
           </p:cNvPr>
@@ -252,7 +252,7 @@
           <a:bodyPr/>
           <a:lstStyle/>
           <a:p>
-            <a:fld id="{24CC145E-3B5C-4763-9AD2-ABDAC3D06510}" type="datetimeFigureOut">
+            <a:fld id="{329ADDA8-4AE2-40FD-9A65-D3B45B4AEA40}" type="datetimeFigureOut">
               <a:rPr lang="zh-CN" altLang="en-US" smtClean="0"/>
               <a:t>2024/3/10</a:t>
             </a:fld>
@@ -265,7 +265,7 @@
           <p:cNvPr id="5" name="页脚占位符 4">
             <a:extLst>
               <a:ext uri="{FF2B5EF4-FFF2-40B4-BE49-F238E27FC236}">
-                <a16:creationId xmlns:a16="http://schemas.microsoft.com/office/drawing/2014/main" id="{49D839E0-BCB7-734B-7CA1-B84D30D3C57E}"/>
+                <a16:creationId xmlns:a16="http://schemas.microsoft.com/office/drawing/2014/main" id="{7DB347FA-B061-CFBC-4D5B-89B2EF6E2AA4}"/>
               </a:ext>
             </a:extLst>
           </p:cNvPr>
@@ -290,7 +290,7 @@
           <p:cNvPr id="6" name="灯片编号占位符 5">
             <a:extLst>
               <a:ext uri="{FF2B5EF4-FFF2-40B4-BE49-F238E27FC236}">
-                <a16:creationId xmlns:a16="http://schemas.microsoft.com/office/drawing/2014/main" id="{D133512C-C710-2E73-4352-96165C375C15}"/>
+                <a16:creationId xmlns:a16="http://schemas.microsoft.com/office/drawing/2014/main" id="{797C455D-F4C7-F6BA-4156-6EA6CE68BC2C}"/>
               </a:ext>
             </a:extLst>
           </p:cNvPr>
@@ -306,7 +306,7 @@
           <a:bodyPr/>
           <a:lstStyle/>
           <a:p>
-            <a:fld id="{A93E596B-7B39-45D4-BC4B-C77F4D4AE52E}" type="slidenum">
+            <a:fld id="{A93C2D39-BE77-418E-9803-52774BADAC00}" type="slidenum">
               <a:rPr lang="zh-CN" altLang="en-US" smtClean="0"/>
               <a:t>‹#›</a:t>
             </a:fld>
@@ -317,7 +317,7 @@
     </p:spTree>
     <p:extLst>
       <p:ext uri="{BB962C8B-B14F-4D97-AF65-F5344CB8AC3E}">
-        <p14:creationId xmlns:p14="http://schemas.microsoft.com/office/powerpoint/2010/main" val="3110673686"/>
+        <p14:creationId xmlns:p14="http://schemas.microsoft.com/office/powerpoint/2010/main" val="1164767978"/>
       </p:ext>
     </p:extLst>
   </p:cSld>
@@ -349,7 +349,7 @@
           <p:cNvPr id="2" name="标题 1">
             <a:extLst>
               <a:ext uri="{FF2B5EF4-FFF2-40B4-BE49-F238E27FC236}">
-                <a16:creationId xmlns:a16="http://schemas.microsoft.com/office/drawing/2014/main" id="{F556FADA-0BAC-2654-0703-647B516CB20D}"/>
+                <a16:creationId xmlns:a16="http://schemas.microsoft.com/office/drawing/2014/main" id="{DBC767ED-6CCF-B76A-575B-2FA5B7BE6EBD}"/>
               </a:ext>
             </a:extLst>
           </p:cNvPr>
@@ -377,7 +377,7 @@
           <p:cNvPr id="3" name="竖排文字占位符 2">
             <a:extLst>
               <a:ext uri="{FF2B5EF4-FFF2-40B4-BE49-F238E27FC236}">
-                <a16:creationId xmlns:a16="http://schemas.microsoft.com/office/drawing/2014/main" id="{1CB9E3C9-3CA8-0D77-43E7-2D1E0F9B46CA}"/>
+                <a16:creationId xmlns:a16="http://schemas.microsoft.com/office/drawing/2014/main" id="{5FD46D20-9C34-83E6-171F-F76AC9ECD56B}"/>
               </a:ext>
             </a:extLst>
           </p:cNvPr>
@@ -434,7 +434,7 @@
           <p:cNvPr id="4" name="日期占位符 3">
             <a:extLst>
               <a:ext uri="{FF2B5EF4-FFF2-40B4-BE49-F238E27FC236}">
-                <a16:creationId xmlns:a16="http://schemas.microsoft.com/office/drawing/2014/main" id="{CD05459F-353F-C120-3545-71379B56AEA4}"/>
+                <a16:creationId xmlns:a16="http://schemas.microsoft.com/office/drawing/2014/main" id="{A58EBABD-1AC6-F195-02B2-67FE926337DA}"/>
               </a:ext>
             </a:extLst>
           </p:cNvPr>
@@ -450,7 +450,7 @@
           <a:bodyPr/>
           <a:lstStyle/>
           <a:p>
-            <a:fld id="{24CC145E-3B5C-4763-9AD2-ABDAC3D06510}" type="datetimeFigureOut">
+            <a:fld id="{329ADDA8-4AE2-40FD-9A65-D3B45B4AEA40}" type="datetimeFigureOut">
               <a:rPr lang="zh-CN" altLang="en-US" smtClean="0"/>
               <a:t>2024/3/10</a:t>
             </a:fld>
@@ -463,7 +463,7 @@
           <p:cNvPr id="5" name="页脚占位符 4">
             <a:extLst>
               <a:ext uri="{FF2B5EF4-FFF2-40B4-BE49-F238E27FC236}">
-                <a16:creationId xmlns:a16="http://schemas.microsoft.com/office/drawing/2014/main" id="{422686C2-0D3B-A6ED-0190-0888FEB6A9B8}"/>
+                <a16:creationId xmlns:a16="http://schemas.microsoft.com/office/drawing/2014/main" id="{6EA8387A-D8A4-E3A5-9D14-36E1FF87D969}"/>
               </a:ext>
             </a:extLst>
           </p:cNvPr>
@@ -488,7 +488,7 @@
           <p:cNvPr id="6" name="灯片编号占位符 5">
             <a:extLst>
               <a:ext uri="{FF2B5EF4-FFF2-40B4-BE49-F238E27FC236}">
-                <a16:creationId xmlns:a16="http://schemas.microsoft.com/office/drawing/2014/main" id="{BDE014C2-63E8-0B8B-E553-17001D5A0323}"/>
+                <a16:creationId xmlns:a16="http://schemas.microsoft.com/office/drawing/2014/main" id="{C48D454F-F29E-1283-B9F5-923E53D0F413}"/>
               </a:ext>
             </a:extLst>
           </p:cNvPr>
@@ -504,7 +504,7 @@
           <a:bodyPr/>
           <a:lstStyle/>
           <a:p>
-            <a:fld id="{A93E596B-7B39-45D4-BC4B-C77F4D4AE52E}" type="slidenum">
+            <a:fld id="{A93C2D39-BE77-418E-9803-52774BADAC00}" type="slidenum">
               <a:rPr lang="zh-CN" altLang="en-US" smtClean="0"/>
               <a:t>‹#›</a:t>
             </a:fld>
@@ -515,7 +515,7 @@
     </p:spTree>
     <p:extLst>
       <p:ext uri="{BB962C8B-B14F-4D97-AF65-F5344CB8AC3E}">
-        <p14:creationId xmlns:p14="http://schemas.microsoft.com/office/powerpoint/2010/main" val="365047146"/>
+        <p14:creationId xmlns:p14="http://schemas.microsoft.com/office/powerpoint/2010/main" val="1447458913"/>
       </p:ext>
     </p:extLst>
   </p:cSld>
@@ -547,7 +547,7 @@
           <p:cNvPr id="2" name="竖排标题 1">
             <a:extLst>
               <a:ext uri="{FF2B5EF4-FFF2-40B4-BE49-F238E27FC236}">
-                <a16:creationId xmlns:a16="http://schemas.microsoft.com/office/drawing/2014/main" id="{1F600481-C57A-C9DE-D09A-2EFBAD2FF95C}"/>
+                <a16:creationId xmlns:a16="http://schemas.microsoft.com/office/drawing/2014/main" id="{F5B9233F-3199-1165-B41F-B398E10C3CE4}"/>
               </a:ext>
             </a:extLst>
           </p:cNvPr>
@@ -580,7 +580,7 @@
           <p:cNvPr id="3" name="竖排文字占位符 2">
             <a:extLst>
               <a:ext uri="{FF2B5EF4-FFF2-40B4-BE49-F238E27FC236}">
-                <a16:creationId xmlns:a16="http://schemas.microsoft.com/office/drawing/2014/main" id="{4037D578-2477-E228-EC2E-DE22A7441BD0}"/>
+                <a16:creationId xmlns:a16="http://schemas.microsoft.com/office/drawing/2014/main" id="{03CCEEE3-BB48-B47E-AB80-B94F66F79D42}"/>
               </a:ext>
             </a:extLst>
           </p:cNvPr>
@@ -642,7 +642,7 @@
           <p:cNvPr id="4" name="日期占位符 3">
             <a:extLst>
               <a:ext uri="{FF2B5EF4-FFF2-40B4-BE49-F238E27FC236}">
-                <a16:creationId xmlns:a16="http://schemas.microsoft.com/office/drawing/2014/main" id="{F53866A7-4E23-37CB-B780-05E8D523281A}"/>
+                <a16:creationId xmlns:a16="http://schemas.microsoft.com/office/drawing/2014/main" id="{AF1D9959-EC80-C651-0E56-7E3F194BADE3}"/>
               </a:ext>
             </a:extLst>
           </p:cNvPr>
@@ -658,7 +658,7 @@
           <a:bodyPr/>
           <a:lstStyle/>
           <a:p>
-            <a:fld id="{24CC145E-3B5C-4763-9AD2-ABDAC3D06510}" type="datetimeFigureOut">
+            <a:fld id="{329ADDA8-4AE2-40FD-9A65-D3B45B4AEA40}" type="datetimeFigureOut">
               <a:rPr lang="zh-CN" altLang="en-US" smtClean="0"/>
               <a:t>2024/3/10</a:t>
             </a:fld>
@@ -671,7 +671,7 @@
           <p:cNvPr id="5" name="页脚占位符 4">
             <a:extLst>
               <a:ext uri="{FF2B5EF4-FFF2-40B4-BE49-F238E27FC236}">
-                <a16:creationId xmlns:a16="http://schemas.microsoft.com/office/drawing/2014/main" id="{A8EFB1AD-8E5D-2C57-454E-B6CF18A31AAD}"/>
+                <a16:creationId xmlns:a16="http://schemas.microsoft.com/office/drawing/2014/main" id="{13F5CAA1-DE0A-0148-2FC0-4F7EA4565D37}"/>
               </a:ext>
             </a:extLst>
           </p:cNvPr>
@@ -696,7 +696,7 @@
           <p:cNvPr id="6" name="灯片编号占位符 5">
             <a:extLst>
               <a:ext uri="{FF2B5EF4-FFF2-40B4-BE49-F238E27FC236}">
-                <a16:creationId xmlns:a16="http://schemas.microsoft.com/office/drawing/2014/main" id="{C4C154F2-B69F-4F5B-8B97-96293E0B7BAC}"/>
+                <a16:creationId xmlns:a16="http://schemas.microsoft.com/office/drawing/2014/main" id="{064F2F92-A907-319D-711B-F79704E2FC70}"/>
               </a:ext>
             </a:extLst>
           </p:cNvPr>
@@ -712,7 +712,7 @@
           <a:bodyPr/>
           <a:lstStyle/>
           <a:p>
-            <a:fld id="{A93E596B-7B39-45D4-BC4B-C77F4D4AE52E}" type="slidenum">
+            <a:fld id="{A93C2D39-BE77-418E-9803-52774BADAC00}" type="slidenum">
               <a:rPr lang="zh-CN" altLang="en-US" smtClean="0"/>
               <a:t>‹#›</a:t>
             </a:fld>
@@ -723,7 +723,7 @@
     </p:spTree>
     <p:extLst>
       <p:ext uri="{BB962C8B-B14F-4D97-AF65-F5344CB8AC3E}">
-        <p14:creationId xmlns:p14="http://schemas.microsoft.com/office/powerpoint/2010/main" val="3313369120"/>
+        <p14:creationId xmlns:p14="http://schemas.microsoft.com/office/powerpoint/2010/main" val="537262656"/>
       </p:ext>
     </p:extLst>
   </p:cSld>
@@ -755,7 +755,7 @@
           <p:cNvPr id="2" name="标题 1">
             <a:extLst>
               <a:ext uri="{FF2B5EF4-FFF2-40B4-BE49-F238E27FC236}">
-                <a16:creationId xmlns:a16="http://schemas.microsoft.com/office/drawing/2014/main" id="{AF2AC052-6C47-01AE-3666-9DED49B48069}"/>
+                <a16:creationId xmlns:a16="http://schemas.microsoft.com/office/drawing/2014/main" id="{81C56506-FDE3-8ACF-FECB-578C998FD368}"/>
               </a:ext>
             </a:extLst>
           </p:cNvPr>
@@ -783,7 +783,7 @@
           <p:cNvPr id="3" name="内容占位符 2">
             <a:extLst>
               <a:ext uri="{FF2B5EF4-FFF2-40B4-BE49-F238E27FC236}">
-                <a16:creationId xmlns:a16="http://schemas.microsoft.com/office/drawing/2014/main" id="{1A582246-3693-7670-5A27-EEF68B5E4F01}"/>
+                <a16:creationId xmlns:a16="http://schemas.microsoft.com/office/drawing/2014/main" id="{76FB941C-1D42-8BD0-3B69-66D07FF20692}"/>
               </a:ext>
             </a:extLst>
           </p:cNvPr>
@@ -840,7 +840,7 @@
           <p:cNvPr id="4" name="日期占位符 3">
             <a:extLst>
               <a:ext uri="{FF2B5EF4-FFF2-40B4-BE49-F238E27FC236}">
-                <a16:creationId xmlns:a16="http://schemas.microsoft.com/office/drawing/2014/main" id="{0B36C7E0-8923-0DE0-B1AF-60249187098B}"/>
+                <a16:creationId xmlns:a16="http://schemas.microsoft.com/office/drawing/2014/main" id="{DE8C9BC9-6292-F2A3-929D-6BE8746A1BC8}"/>
               </a:ext>
             </a:extLst>
           </p:cNvPr>
@@ -856,7 +856,7 @@
           <a:bodyPr/>
           <a:lstStyle/>
           <a:p>
-            <a:fld id="{24CC145E-3B5C-4763-9AD2-ABDAC3D06510}" type="datetimeFigureOut">
+            <a:fld id="{329ADDA8-4AE2-40FD-9A65-D3B45B4AEA40}" type="datetimeFigureOut">
               <a:rPr lang="zh-CN" altLang="en-US" smtClean="0"/>
               <a:t>2024/3/10</a:t>
             </a:fld>
@@ -869,7 +869,7 @@
           <p:cNvPr id="5" name="页脚占位符 4">
             <a:extLst>
               <a:ext uri="{FF2B5EF4-FFF2-40B4-BE49-F238E27FC236}">
-                <a16:creationId xmlns:a16="http://schemas.microsoft.com/office/drawing/2014/main" id="{31C714D6-CF18-56EF-0C79-DB61D675720E}"/>
+                <a16:creationId xmlns:a16="http://schemas.microsoft.com/office/drawing/2014/main" id="{A50C2898-7810-88D4-8795-CCC9C90E3BCF}"/>
               </a:ext>
             </a:extLst>
           </p:cNvPr>
@@ -894,7 +894,7 @@
           <p:cNvPr id="6" name="灯片编号占位符 5">
             <a:extLst>
               <a:ext uri="{FF2B5EF4-FFF2-40B4-BE49-F238E27FC236}">
-                <a16:creationId xmlns:a16="http://schemas.microsoft.com/office/drawing/2014/main" id="{04F7DCAF-9578-04CD-DC2F-57C0FAC51429}"/>
+                <a16:creationId xmlns:a16="http://schemas.microsoft.com/office/drawing/2014/main" id="{33E3E22A-EE79-687B-D8A1-679B02141500}"/>
               </a:ext>
             </a:extLst>
           </p:cNvPr>
@@ -910,7 +910,7 @@
           <a:bodyPr/>
           <a:lstStyle/>
           <a:p>
-            <a:fld id="{A93E596B-7B39-45D4-BC4B-C77F4D4AE52E}" type="slidenum">
+            <a:fld id="{A93C2D39-BE77-418E-9803-52774BADAC00}" type="slidenum">
               <a:rPr lang="zh-CN" altLang="en-US" smtClean="0"/>
               <a:t>‹#›</a:t>
             </a:fld>
@@ -921,7 +921,7 @@
     </p:spTree>
     <p:extLst>
       <p:ext uri="{BB962C8B-B14F-4D97-AF65-F5344CB8AC3E}">
-        <p14:creationId xmlns:p14="http://schemas.microsoft.com/office/powerpoint/2010/main" val="467344415"/>
+        <p14:creationId xmlns:p14="http://schemas.microsoft.com/office/powerpoint/2010/main" val="524759754"/>
       </p:ext>
     </p:extLst>
   </p:cSld>
@@ -953,7 +953,7 @@
           <p:cNvPr id="2" name="标题 1">
             <a:extLst>
               <a:ext uri="{FF2B5EF4-FFF2-40B4-BE49-F238E27FC236}">
-                <a16:creationId xmlns:a16="http://schemas.microsoft.com/office/drawing/2014/main" id="{7A88A51B-F6BF-11B6-71A6-883C1080EF20}"/>
+                <a16:creationId xmlns:a16="http://schemas.microsoft.com/office/drawing/2014/main" id="{7E3C139B-2728-4AE6-E3E1-718A6A2F3C55}"/>
               </a:ext>
             </a:extLst>
           </p:cNvPr>
@@ -990,7 +990,7 @@
           <p:cNvPr id="3" name="文本占位符 2">
             <a:extLst>
               <a:ext uri="{FF2B5EF4-FFF2-40B4-BE49-F238E27FC236}">
-                <a16:creationId xmlns:a16="http://schemas.microsoft.com/office/drawing/2014/main" id="{33DC7C88-6A66-449E-761D-CF18F1543918}"/>
+                <a16:creationId xmlns:a16="http://schemas.microsoft.com/office/drawing/2014/main" id="{98EBA76A-22F7-811B-336E-FC9C3DDF0820}"/>
               </a:ext>
             </a:extLst>
           </p:cNvPr>
@@ -1115,7 +1115,7 @@
           <p:cNvPr id="4" name="日期占位符 3">
             <a:extLst>
               <a:ext uri="{FF2B5EF4-FFF2-40B4-BE49-F238E27FC236}">
-                <a16:creationId xmlns:a16="http://schemas.microsoft.com/office/drawing/2014/main" id="{A873EDCC-EE5E-8863-C6B5-2C378E90616C}"/>
+                <a16:creationId xmlns:a16="http://schemas.microsoft.com/office/drawing/2014/main" id="{6BB86EEA-AA65-4CE6-A2AC-FD947DC20C63}"/>
               </a:ext>
             </a:extLst>
           </p:cNvPr>
@@ -1131,7 +1131,7 @@
           <a:bodyPr/>
           <a:lstStyle/>
           <a:p>
-            <a:fld id="{24CC145E-3B5C-4763-9AD2-ABDAC3D06510}" type="datetimeFigureOut">
+            <a:fld id="{329ADDA8-4AE2-40FD-9A65-D3B45B4AEA40}" type="datetimeFigureOut">
               <a:rPr lang="zh-CN" altLang="en-US" smtClean="0"/>
               <a:t>2024/3/10</a:t>
             </a:fld>
@@ -1144,7 +1144,7 @@
           <p:cNvPr id="5" name="页脚占位符 4">
             <a:extLst>
               <a:ext uri="{FF2B5EF4-FFF2-40B4-BE49-F238E27FC236}">
-                <a16:creationId xmlns:a16="http://schemas.microsoft.com/office/drawing/2014/main" id="{090BECD5-C3A4-4F38-9027-4BC7895CA720}"/>
+                <a16:creationId xmlns:a16="http://schemas.microsoft.com/office/drawing/2014/main" id="{FE5A4BF8-5026-AC1B-B57E-0F85F67D7C97}"/>
               </a:ext>
             </a:extLst>
           </p:cNvPr>
@@ -1169,7 +1169,7 @@
           <p:cNvPr id="6" name="灯片编号占位符 5">
             <a:extLst>
               <a:ext uri="{FF2B5EF4-FFF2-40B4-BE49-F238E27FC236}">
-                <a16:creationId xmlns:a16="http://schemas.microsoft.com/office/drawing/2014/main" id="{C1DE345A-C28B-23C1-E0F2-A7EB9635C88A}"/>
+                <a16:creationId xmlns:a16="http://schemas.microsoft.com/office/drawing/2014/main" id="{206E768A-030B-6426-6AA4-C1F1D00D42FD}"/>
               </a:ext>
             </a:extLst>
           </p:cNvPr>
@@ -1185,7 +1185,7 @@
           <a:bodyPr/>
           <a:lstStyle/>
           <a:p>
-            <a:fld id="{A93E596B-7B39-45D4-BC4B-C77F4D4AE52E}" type="slidenum">
+            <a:fld id="{A93C2D39-BE77-418E-9803-52774BADAC00}" type="slidenum">
               <a:rPr lang="zh-CN" altLang="en-US" smtClean="0"/>
               <a:t>‹#›</a:t>
             </a:fld>
@@ -1196,7 +1196,7 @@
     </p:spTree>
     <p:extLst>
       <p:ext uri="{BB962C8B-B14F-4D97-AF65-F5344CB8AC3E}">
-        <p14:creationId xmlns:p14="http://schemas.microsoft.com/office/powerpoint/2010/main" val="780390430"/>
+        <p14:creationId xmlns:p14="http://schemas.microsoft.com/office/powerpoint/2010/main" val="4111760784"/>
       </p:ext>
     </p:extLst>
   </p:cSld>
@@ -1228,7 +1228,7 @@
           <p:cNvPr id="2" name="标题 1">
             <a:extLst>
               <a:ext uri="{FF2B5EF4-FFF2-40B4-BE49-F238E27FC236}">
-                <a16:creationId xmlns:a16="http://schemas.microsoft.com/office/drawing/2014/main" id="{D2A4EBEB-A5E9-2E94-B127-3434EBE21454}"/>
+                <a16:creationId xmlns:a16="http://schemas.microsoft.com/office/drawing/2014/main" id="{F8F9D5E8-AAFD-8B5E-3C70-B163EAD3ED26}"/>
               </a:ext>
             </a:extLst>
           </p:cNvPr>
@@ -1256,7 +1256,7 @@
           <p:cNvPr id="3" name="内容占位符 2">
             <a:extLst>
               <a:ext uri="{FF2B5EF4-FFF2-40B4-BE49-F238E27FC236}">
-                <a16:creationId xmlns:a16="http://schemas.microsoft.com/office/drawing/2014/main" id="{1E4E07F9-DC62-CB7D-DF0F-91F0578C1AE6}"/>
+                <a16:creationId xmlns:a16="http://schemas.microsoft.com/office/drawing/2014/main" id="{C3576462-2F9F-CCDA-DF13-B4F8BD34C14F}"/>
               </a:ext>
             </a:extLst>
           </p:cNvPr>
@@ -1318,7 +1318,7 @@
           <p:cNvPr id="4" name="内容占位符 3">
             <a:extLst>
               <a:ext uri="{FF2B5EF4-FFF2-40B4-BE49-F238E27FC236}">
-                <a16:creationId xmlns:a16="http://schemas.microsoft.com/office/drawing/2014/main" id="{A5264408-64BA-78AB-8457-16E51E4590C3}"/>
+                <a16:creationId xmlns:a16="http://schemas.microsoft.com/office/drawing/2014/main" id="{F047E2B5-A699-3236-9DFC-22293BA03590}"/>
               </a:ext>
             </a:extLst>
           </p:cNvPr>
@@ -1380,7 +1380,7 @@
           <p:cNvPr id="5" name="日期占位符 4">
             <a:extLst>
               <a:ext uri="{FF2B5EF4-FFF2-40B4-BE49-F238E27FC236}">
-                <a16:creationId xmlns:a16="http://schemas.microsoft.com/office/drawing/2014/main" id="{021B0EBD-D34E-107E-A252-2F6D8E877253}"/>
+                <a16:creationId xmlns:a16="http://schemas.microsoft.com/office/drawing/2014/main" id="{504D6437-3398-160F-75B9-CB968DB1D737}"/>
               </a:ext>
             </a:extLst>
           </p:cNvPr>
@@ -1396,7 +1396,7 @@
           <a:bodyPr/>
           <a:lstStyle/>
           <a:p>
-            <a:fld id="{24CC145E-3B5C-4763-9AD2-ABDAC3D06510}" type="datetimeFigureOut">
+            <a:fld id="{329ADDA8-4AE2-40FD-9A65-D3B45B4AEA40}" type="datetimeFigureOut">
               <a:rPr lang="zh-CN" altLang="en-US" smtClean="0"/>
               <a:t>2024/3/10</a:t>
             </a:fld>
@@ -1409,7 +1409,7 @@
           <p:cNvPr id="6" name="页脚占位符 5">
             <a:extLst>
               <a:ext uri="{FF2B5EF4-FFF2-40B4-BE49-F238E27FC236}">
-                <a16:creationId xmlns:a16="http://schemas.microsoft.com/office/drawing/2014/main" id="{42543DE4-A941-989A-DD66-3D712F67A646}"/>
+                <a16:creationId xmlns:a16="http://schemas.microsoft.com/office/drawing/2014/main" id="{DCEB895F-00D1-2225-E48F-C50F4DF84B97}"/>
               </a:ext>
             </a:extLst>
           </p:cNvPr>
@@ -1434,7 +1434,7 @@
           <p:cNvPr id="7" name="灯片编号占位符 6">
             <a:extLst>
               <a:ext uri="{FF2B5EF4-FFF2-40B4-BE49-F238E27FC236}">
-                <a16:creationId xmlns:a16="http://schemas.microsoft.com/office/drawing/2014/main" id="{86C7A60B-93A3-E37A-5B1B-C4C66BFEAD7A}"/>
+                <a16:creationId xmlns:a16="http://schemas.microsoft.com/office/drawing/2014/main" id="{AE75D989-EA09-C699-4542-80F695584268}"/>
               </a:ext>
             </a:extLst>
           </p:cNvPr>
@@ -1450,7 +1450,7 @@
           <a:bodyPr/>
           <a:lstStyle/>
           <a:p>
-            <a:fld id="{A93E596B-7B39-45D4-BC4B-C77F4D4AE52E}" type="slidenum">
+            <a:fld id="{A93C2D39-BE77-418E-9803-52774BADAC00}" type="slidenum">
               <a:rPr lang="zh-CN" altLang="en-US" smtClean="0"/>
               <a:t>‹#›</a:t>
             </a:fld>
@@ -1461,7 +1461,7 @@
     </p:spTree>
     <p:extLst>
       <p:ext uri="{BB962C8B-B14F-4D97-AF65-F5344CB8AC3E}">
-        <p14:creationId xmlns:p14="http://schemas.microsoft.com/office/powerpoint/2010/main" val="1957408724"/>
+        <p14:creationId xmlns:p14="http://schemas.microsoft.com/office/powerpoint/2010/main" val="2529538590"/>
       </p:ext>
     </p:extLst>
   </p:cSld>
@@ -1493,7 +1493,7 @@
           <p:cNvPr id="2" name="标题 1">
             <a:extLst>
               <a:ext uri="{FF2B5EF4-FFF2-40B4-BE49-F238E27FC236}">
-                <a16:creationId xmlns:a16="http://schemas.microsoft.com/office/drawing/2014/main" id="{1764AAAA-F5AC-2CB4-803B-1DAA0630C9B1}"/>
+                <a16:creationId xmlns:a16="http://schemas.microsoft.com/office/drawing/2014/main" id="{DB9C60E2-48B0-1CD9-9DC5-4671F24D4BC3}"/>
               </a:ext>
             </a:extLst>
           </p:cNvPr>
@@ -1526,7 +1526,7 @@
           <p:cNvPr id="3" name="文本占位符 2">
             <a:extLst>
               <a:ext uri="{FF2B5EF4-FFF2-40B4-BE49-F238E27FC236}">
-                <a16:creationId xmlns:a16="http://schemas.microsoft.com/office/drawing/2014/main" id="{664D1F15-69EA-B6FB-DCE4-B71750C2A2A9}"/>
+                <a16:creationId xmlns:a16="http://schemas.microsoft.com/office/drawing/2014/main" id="{87A9D3D1-5573-306C-DCAC-7B8F8A00C07F}"/>
               </a:ext>
             </a:extLst>
           </p:cNvPr>
@@ -1597,7 +1597,7 @@
           <p:cNvPr id="4" name="内容占位符 3">
             <a:extLst>
               <a:ext uri="{FF2B5EF4-FFF2-40B4-BE49-F238E27FC236}">
-                <a16:creationId xmlns:a16="http://schemas.microsoft.com/office/drawing/2014/main" id="{222DFAD6-8A4B-AD21-5EB2-8337904AA7CD}"/>
+                <a16:creationId xmlns:a16="http://schemas.microsoft.com/office/drawing/2014/main" id="{6387B871-E538-9019-F592-3A249EFBB73D}"/>
               </a:ext>
             </a:extLst>
           </p:cNvPr>
@@ -1659,7 +1659,7 @@
           <p:cNvPr id="5" name="文本占位符 4">
             <a:extLst>
               <a:ext uri="{FF2B5EF4-FFF2-40B4-BE49-F238E27FC236}">
-                <a16:creationId xmlns:a16="http://schemas.microsoft.com/office/drawing/2014/main" id="{3B41E412-0819-4EED-C6AF-8271318DDBFF}"/>
+                <a16:creationId xmlns:a16="http://schemas.microsoft.com/office/drawing/2014/main" id="{0542E525-18FC-E72A-25CC-3E421FCE0B5C}"/>
               </a:ext>
             </a:extLst>
           </p:cNvPr>
@@ -1730,7 +1730,7 @@
           <p:cNvPr id="6" name="内容占位符 5">
             <a:extLst>
               <a:ext uri="{FF2B5EF4-FFF2-40B4-BE49-F238E27FC236}">
-                <a16:creationId xmlns:a16="http://schemas.microsoft.com/office/drawing/2014/main" id="{CCF70DEB-A23D-3071-E0FB-739244792257}"/>
+                <a16:creationId xmlns:a16="http://schemas.microsoft.com/office/drawing/2014/main" id="{2207E003-F2F4-EB14-2C98-22623DB30863}"/>
               </a:ext>
             </a:extLst>
           </p:cNvPr>
@@ -1792,7 +1792,7 @@
           <p:cNvPr id="7" name="日期占位符 6">
             <a:extLst>
               <a:ext uri="{FF2B5EF4-FFF2-40B4-BE49-F238E27FC236}">
-                <a16:creationId xmlns:a16="http://schemas.microsoft.com/office/drawing/2014/main" id="{9D70FE64-3B85-E9C4-93F9-58BB19706EA9}"/>
+                <a16:creationId xmlns:a16="http://schemas.microsoft.com/office/drawing/2014/main" id="{88CA6224-A697-C559-C09A-1D52E881F0DC}"/>
               </a:ext>
             </a:extLst>
           </p:cNvPr>
@@ -1808,7 +1808,7 @@
           <a:bodyPr/>
           <a:lstStyle/>
           <a:p>
-            <a:fld id="{24CC145E-3B5C-4763-9AD2-ABDAC3D06510}" type="datetimeFigureOut">
+            <a:fld id="{329ADDA8-4AE2-40FD-9A65-D3B45B4AEA40}" type="datetimeFigureOut">
               <a:rPr lang="zh-CN" altLang="en-US" smtClean="0"/>
               <a:t>2024/3/10</a:t>
             </a:fld>
@@ -1821,7 +1821,7 @@
           <p:cNvPr id="8" name="页脚占位符 7">
             <a:extLst>
               <a:ext uri="{FF2B5EF4-FFF2-40B4-BE49-F238E27FC236}">
-                <a16:creationId xmlns:a16="http://schemas.microsoft.com/office/drawing/2014/main" id="{1194988F-C820-A51A-40D5-96130A3EDEEB}"/>
+                <a16:creationId xmlns:a16="http://schemas.microsoft.com/office/drawing/2014/main" id="{CDD55F32-77E7-91FB-98F0-479618D4DA71}"/>
               </a:ext>
             </a:extLst>
           </p:cNvPr>
@@ -1846,7 +1846,7 @@
           <p:cNvPr id="9" name="灯片编号占位符 8">
             <a:extLst>
               <a:ext uri="{FF2B5EF4-FFF2-40B4-BE49-F238E27FC236}">
-                <a16:creationId xmlns:a16="http://schemas.microsoft.com/office/drawing/2014/main" id="{86B67BAF-89F9-F41D-BD25-5E085B357D8B}"/>
+                <a16:creationId xmlns:a16="http://schemas.microsoft.com/office/drawing/2014/main" id="{6C4AD9B7-0ABA-334E-1976-6AB96AC26CA7}"/>
               </a:ext>
             </a:extLst>
           </p:cNvPr>
@@ -1862,7 +1862,7 @@
           <a:bodyPr/>
           <a:lstStyle/>
           <a:p>
-            <a:fld id="{A93E596B-7B39-45D4-BC4B-C77F4D4AE52E}" type="slidenum">
+            <a:fld id="{A93C2D39-BE77-418E-9803-52774BADAC00}" type="slidenum">
               <a:rPr lang="zh-CN" altLang="en-US" smtClean="0"/>
               <a:t>‹#›</a:t>
             </a:fld>
@@ -1873,7 +1873,7 @@
     </p:spTree>
     <p:extLst>
       <p:ext uri="{BB962C8B-B14F-4D97-AF65-F5344CB8AC3E}">
-        <p14:creationId xmlns:p14="http://schemas.microsoft.com/office/powerpoint/2010/main" val="3934369483"/>
+        <p14:creationId xmlns:p14="http://schemas.microsoft.com/office/powerpoint/2010/main" val="3801806260"/>
       </p:ext>
     </p:extLst>
   </p:cSld>
@@ -1905,7 +1905,7 @@
           <p:cNvPr id="2" name="标题 1">
             <a:extLst>
               <a:ext uri="{FF2B5EF4-FFF2-40B4-BE49-F238E27FC236}">
-                <a16:creationId xmlns:a16="http://schemas.microsoft.com/office/drawing/2014/main" id="{21F4CBF3-AA89-C162-C2F2-B0ED9FA0EDB5}"/>
+                <a16:creationId xmlns:a16="http://schemas.microsoft.com/office/drawing/2014/main" id="{936258F1-687C-FA67-1512-036AA7386A32}"/>
               </a:ext>
             </a:extLst>
           </p:cNvPr>
@@ -1933,7 +1933,7 @@
           <p:cNvPr id="3" name="日期占位符 2">
             <a:extLst>
               <a:ext uri="{FF2B5EF4-FFF2-40B4-BE49-F238E27FC236}">
-                <a16:creationId xmlns:a16="http://schemas.microsoft.com/office/drawing/2014/main" id="{2CB7101E-C24B-5FC9-036F-2FA7A64A9989}"/>
+                <a16:creationId xmlns:a16="http://schemas.microsoft.com/office/drawing/2014/main" id="{9E4B2CCD-E7BC-0EFE-A2CE-7FE06C3DA3CE}"/>
               </a:ext>
             </a:extLst>
           </p:cNvPr>
@@ -1949,7 +1949,7 @@
           <a:bodyPr/>
           <a:lstStyle/>
           <a:p>
-            <a:fld id="{24CC145E-3B5C-4763-9AD2-ABDAC3D06510}" type="datetimeFigureOut">
+            <a:fld id="{329ADDA8-4AE2-40FD-9A65-D3B45B4AEA40}" type="datetimeFigureOut">
               <a:rPr lang="zh-CN" altLang="en-US" smtClean="0"/>
               <a:t>2024/3/10</a:t>
             </a:fld>
@@ -1962,7 +1962,7 @@
           <p:cNvPr id="4" name="页脚占位符 3">
             <a:extLst>
               <a:ext uri="{FF2B5EF4-FFF2-40B4-BE49-F238E27FC236}">
-                <a16:creationId xmlns:a16="http://schemas.microsoft.com/office/drawing/2014/main" id="{507FA0A8-00E3-191D-FC06-BF7F04D09FC2}"/>
+                <a16:creationId xmlns:a16="http://schemas.microsoft.com/office/drawing/2014/main" id="{2A68B234-3CD1-F5CD-3053-EB37E27375A6}"/>
               </a:ext>
             </a:extLst>
           </p:cNvPr>
@@ -1987,7 +1987,7 @@
           <p:cNvPr id="5" name="灯片编号占位符 4">
             <a:extLst>
               <a:ext uri="{FF2B5EF4-FFF2-40B4-BE49-F238E27FC236}">
-                <a16:creationId xmlns:a16="http://schemas.microsoft.com/office/drawing/2014/main" id="{0DBD1745-97C3-C70E-1AE4-F1368D3FD2AD}"/>
+                <a16:creationId xmlns:a16="http://schemas.microsoft.com/office/drawing/2014/main" id="{8876B0B8-1C73-0F52-85B8-71415B59889C}"/>
               </a:ext>
             </a:extLst>
           </p:cNvPr>
@@ -2003,7 +2003,7 @@
           <a:bodyPr/>
           <a:lstStyle/>
           <a:p>
-            <a:fld id="{A93E596B-7B39-45D4-BC4B-C77F4D4AE52E}" type="slidenum">
+            <a:fld id="{A93C2D39-BE77-418E-9803-52774BADAC00}" type="slidenum">
               <a:rPr lang="zh-CN" altLang="en-US" smtClean="0"/>
               <a:t>‹#›</a:t>
             </a:fld>
@@ -2014,7 +2014,7 @@
     </p:spTree>
     <p:extLst>
       <p:ext uri="{BB962C8B-B14F-4D97-AF65-F5344CB8AC3E}">
-        <p14:creationId xmlns:p14="http://schemas.microsoft.com/office/powerpoint/2010/main" val="1697533158"/>
+        <p14:creationId xmlns:p14="http://schemas.microsoft.com/office/powerpoint/2010/main" val="1459758666"/>
       </p:ext>
     </p:extLst>
   </p:cSld>
@@ -2046,7 +2046,7 @@
           <p:cNvPr id="2" name="日期占位符 1">
             <a:extLst>
               <a:ext uri="{FF2B5EF4-FFF2-40B4-BE49-F238E27FC236}">
-                <a16:creationId xmlns:a16="http://schemas.microsoft.com/office/drawing/2014/main" id="{9AC1764C-41A4-02CC-B8E7-213EAB406AB0}"/>
+                <a16:creationId xmlns:a16="http://schemas.microsoft.com/office/drawing/2014/main" id="{15C1E758-24D0-EE01-2B75-46C1A8B0DAF8}"/>
               </a:ext>
             </a:extLst>
           </p:cNvPr>
@@ -2062,7 +2062,7 @@
           <a:bodyPr/>
           <a:lstStyle/>
           <a:p>
-            <a:fld id="{24CC145E-3B5C-4763-9AD2-ABDAC3D06510}" type="datetimeFigureOut">
+            <a:fld id="{329ADDA8-4AE2-40FD-9A65-D3B45B4AEA40}" type="datetimeFigureOut">
               <a:rPr lang="zh-CN" altLang="en-US" smtClean="0"/>
               <a:t>2024/3/10</a:t>
             </a:fld>
@@ -2075,7 +2075,7 @@
           <p:cNvPr id="3" name="页脚占位符 2">
             <a:extLst>
               <a:ext uri="{FF2B5EF4-FFF2-40B4-BE49-F238E27FC236}">
-                <a16:creationId xmlns:a16="http://schemas.microsoft.com/office/drawing/2014/main" id="{2EBC4535-F0CB-9A37-4006-265979B81919}"/>
+                <a16:creationId xmlns:a16="http://schemas.microsoft.com/office/drawing/2014/main" id="{E105490B-939B-7DFD-3D09-EA61810E5BD7}"/>
               </a:ext>
             </a:extLst>
           </p:cNvPr>
@@ -2100,7 +2100,7 @@
           <p:cNvPr id="4" name="灯片编号占位符 3">
             <a:extLst>
               <a:ext uri="{FF2B5EF4-FFF2-40B4-BE49-F238E27FC236}">
-                <a16:creationId xmlns:a16="http://schemas.microsoft.com/office/drawing/2014/main" id="{7CC1B261-5EFB-B5F5-E123-E9C963FC51A7}"/>
+                <a16:creationId xmlns:a16="http://schemas.microsoft.com/office/drawing/2014/main" id="{C0503FC2-5679-6B8C-5DFE-6DE2E27939C9}"/>
               </a:ext>
             </a:extLst>
           </p:cNvPr>
@@ -2116,7 +2116,7 @@
           <a:bodyPr/>
           <a:lstStyle/>
           <a:p>
-            <a:fld id="{A93E596B-7B39-45D4-BC4B-C77F4D4AE52E}" type="slidenum">
+            <a:fld id="{A93C2D39-BE77-418E-9803-52774BADAC00}" type="slidenum">
               <a:rPr lang="zh-CN" altLang="en-US" smtClean="0"/>
               <a:t>‹#›</a:t>
             </a:fld>
@@ -2127,7 +2127,7 @@
     </p:spTree>
     <p:extLst>
       <p:ext uri="{BB962C8B-B14F-4D97-AF65-F5344CB8AC3E}">
-        <p14:creationId xmlns:p14="http://schemas.microsoft.com/office/powerpoint/2010/main" val="1772156559"/>
+        <p14:creationId xmlns:p14="http://schemas.microsoft.com/office/powerpoint/2010/main" val="570597321"/>
       </p:ext>
     </p:extLst>
   </p:cSld>
@@ -2159,7 +2159,7 @@
           <p:cNvPr id="2" name="标题 1">
             <a:extLst>
               <a:ext uri="{FF2B5EF4-FFF2-40B4-BE49-F238E27FC236}">
-                <a16:creationId xmlns:a16="http://schemas.microsoft.com/office/drawing/2014/main" id="{236C4F54-CF49-D488-604B-625E07CE4ACB}"/>
+                <a16:creationId xmlns:a16="http://schemas.microsoft.com/office/drawing/2014/main" id="{5A8363ED-A35D-DF29-92BA-03947BC02713}"/>
               </a:ext>
             </a:extLst>
           </p:cNvPr>
@@ -2196,7 +2196,7 @@
           <p:cNvPr id="3" name="内容占位符 2">
             <a:extLst>
               <a:ext uri="{FF2B5EF4-FFF2-40B4-BE49-F238E27FC236}">
-                <a16:creationId xmlns:a16="http://schemas.microsoft.com/office/drawing/2014/main" id="{A83189F6-3C5A-805D-1EB7-2355D959F6D1}"/>
+                <a16:creationId xmlns:a16="http://schemas.microsoft.com/office/drawing/2014/main" id="{9EECDA54-4AC0-CBB1-3951-B9CC3AB6D219}"/>
               </a:ext>
             </a:extLst>
           </p:cNvPr>
@@ -2286,7 +2286,7 @@
           <p:cNvPr id="4" name="文本占位符 3">
             <a:extLst>
               <a:ext uri="{FF2B5EF4-FFF2-40B4-BE49-F238E27FC236}">
-                <a16:creationId xmlns:a16="http://schemas.microsoft.com/office/drawing/2014/main" id="{521EBFC6-544A-E18E-F357-6D604E03379F}"/>
+                <a16:creationId xmlns:a16="http://schemas.microsoft.com/office/drawing/2014/main" id="{853F4737-079F-FA42-9E75-7AEFBCA691FD}"/>
               </a:ext>
             </a:extLst>
           </p:cNvPr>
@@ -2357,7 +2357,7 @@
           <p:cNvPr id="5" name="日期占位符 4">
             <a:extLst>
               <a:ext uri="{FF2B5EF4-FFF2-40B4-BE49-F238E27FC236}">
-                <a16:creationId xmlns:a16="http://schemas.microsoft.com/office/drawing/2014/main" id="{A196191B-CB21-A15D-1488-BAB0608C74E3}"/>
+                <a16:creationId xmlns:a16="http://schemas.microsoft.com/office/drawing/2014/main" id="{F42E493B-6EBC-10AE-ECD1-ADB39B9CEB05}"/>
               </a:ext>
             </a:extLst>
           </p:cNvPr>
@@ -2373,7 +2373,7 @@
           <a:bodyPr/>
           <a:lstStyle/>
           <a:p>
-            <a:fld id="{24CC145E-3B5C-4763-9AD2-ABDAC3D06510}" type="datetimeFigureOut">
+            <a:fld id="{329ADDA8-4AE2-40FD-9A65-D3B45B4AEA40}" type="datetimeFigureOut">
               <a:rPr lang="zh-CN" altLang="en-US" smtClean="0"/>
               <a:t>2024/3/10</a:t>
             </a:fld>
@@ -2386,7 +2386,7 @@
           <p:cNvPr id="6" name="页脚占位符 5">
             <a:extLst>
               <a:ext uri="{FF2B5EF4-FFF2-40B4-BE49-F238E27FC236}">
-                <a16:creationId xmlns:a16="http://schemas.microsoft.com/office/drawing/2014/main" id="{69970860-95CF-4020-5A9B-6DB510EAD6BE}"/>
+                <a16:creationId xmlns:a16="http://schemas.microsoft.com/office/drawing/2014/main" id="{0356F29B-8A76-4908-33D3-532631343D06}"/>
               </a:ext>
             </a:extLst>
           </p:cNvPr>
@@ -2411,7 +2411,7 @@
           <p:cNvPr id="7" name="灯片编号占位符 6">
             <a:extLst>
               <a:ext uri="{FF2B5EF4-FFF2-40B4-BE49-F238E27FC236}">
-                <a16:creationId xmlns:a16="http://schemas.microsoft.com/office/drawing/2014/main" id="{7A5ECF12-6904-6079-F96B-6564392C4F25}"/>
+                <a16:creationId xmlns:a16="http://schemas.microsoft.com/office/drawing/2014/main" id="{C3659753-CA60-1CB3-004C-673A7F943893}"/>
               </a:ext>
             </a:extLst>
           </p:cNvPr>
@@ -2427,7 +2427,7 @@
           <a:bodyPr/>
           <a:lstStyle/>
           <a:p>
-            <a:fld id="{A93E596B-7B39-45D4-BC4B-C77F4D4AE52E}" type="slidenum">
+            <a:fld id="{A93C2D39-BE77-418E-9803-52774BADAC00}" type="slidenum">
               <a:rPr lang="zh-CN" altLang="en-US" smtClean="0"/>
               <a:t>‹#›</a:t>
             </a:fld>
@@ -2438,7 +2438,7 @@
     </p:spTree>
     <p:extLst>
       <p:ext uri="{BB962C8B-B14F-4D97-AF65-F5344CB8AC3E}">
-        <p14:creationId xmlns:p14="http://schemas.microsoft.com/office/powerpoint/2010/main" val="3021913155"/>
+        <p14:creationId xmlns:p14="http://schemas.microsoft.com/office/powerpoint/2010/main" val="316932773"/>
       </p:ext>
     </p:extLst>
   </p:cSld>
@@ -2470,7 +2470,7 @@
           <p:cNvPr id="2" name="标题 1">
             <a:extLst>
               <a:ext uri="{FF2B5EF4-FFF2-40B4-BE49-F238E27FC236}">
-                <a16:creationId xmlns:a16="http://schemas.microsoft.com/office/drawing/2014/main" id="{C6055079-BC98-4BE6-E358-F096E44D1987}"/>
+                <a16:creationId xmlns:a16="http://schemas.microsoft.com/office/drawing/2014/main" id="{1691AF88-7D9E-27DB-8B01-76B386797C07}"/>
               </a:ext>
             </a:extLst>
           </p:cNvPr>
@@ -2507,7 +2507,7 @@
           <p:cNvPr id="3" name="图片占位符 2">
             <a:extLst>
               <a:ext uri="{FF2B5EF4-FFF2-40B4-BE49-F238E27FC236}">
-                <a16:creationId xmlns:a16="http://schemas.microsoft.com/office/drawing/2014/main" id="{684CC400-DC17-290E-692A-BE8247500B2C}"/>
+                <a16:creationId xmlns:a16="http://schemas.microsoft.com/office/drawing/2014/main" id="{A8F31702-8DFD-2BF2-9481-0839FBADEE82}"/>
               </a:ext>
             </a:extLst>
           </p:cNvPr>
@@ -2574,7 +2574,7 @@
           <p:cNvPr id="4" name="文本占位符 3">
             <a:extLst>
               <a:ext uri="{FF2B5EF4-FFF2-40B4-BE49-F238E27FC236}">
-                <a16:creationId xmlns:a16="http://schemas.microsoft.com/office/drawing/2014/main" id="{C8959302-A3C2-F74F-4CBE-B8AB88041903}"/>
+                <a16:creationId xmlns:a16="http://schemas.microsoft.com/office/drawing/2014/main" id="{CBBDC6B9-6EBD-A0E3-8189-A8F5A3CBBE5F}"/>
               </a:ext>
             </a:extLst>
           </p:cNvPr>
@@ -2645,7 +2645,7 @@
           <p:cNvPr id="5" name="日期占位符 4">
             <a:extLst>
               <a:ext uri="{FF2B5EF4-FFF2-40B4-BE49-F238E27FC236}">
-                <a16:creationId xmlns:a16="http://schemas.microsoft.com/office/drawing/2014/main" id="{9A438CD3-E6AD-49EF-E12F-4B69643E6389}"/>
+                <a16:creationId xmlns:a16="http://schemas.microsoft.com/office/drawing/2014/main" id="{68F14F3D-E444-1582-D466-940BBF54FAB8}"/>
               </a:ext>
             </a:extLst>
           </p:cNvPr>
@@ -2661,7 +2661,7 @@
           <a:bodyPr/>
           <a:lstStyle/>
           <a:p>
-            <a:fld id="{24CC145E-3B5C-4763-9AD2-ABDAC3D06510}" type="datetimeFigureOut">
+            <a:fld id="{329ADDA8-4AE2-40FD-9A65-D3B45B4AEA40}" type="datetimeFigureOut">
               <a:rPr lang="zh-CN" altLang="en-US" smtClean="0"/>
               <a:t>2024/3/10</a:t>
             </a:fld>
@@ -2674,7 +2674,7 @@
           <p:cNvPr id="6" name="页脚占位符 5">
             <a:extLst>
               <a:ext uri="{FF2B5EF4-FFF2-40B4-BE49-F238E27FC236}">
-                <a16:creationId xmlns:a16="http://schemas.microsoft.com/office/drawing/2014/main" id="{A832D5E9-ED7B-B0A3-5B01-3C700064E2DA}"/>
+                <a16:creationId xmlns:a16="http://schemas.microsoft.com/office/drawing/2014/main" id="{CDC5A693-06DB-2211-2F59-7127B3C33FE4}"/>
               </a:ext>
             </a:extLst>
           </p:cNvPr>
@@ -2699,7 +2699,7 @@
           <p:cNvPr id="7" name="灯片编号占位符 6">
             <a:extLst>
               <a:ext uri="{FF2B5EF4-FFF2-40B4-BE49-F238E27FC236}">
-                <a16:creationId xmlns:a16="http://schemas.microsoft.com/office/drawing/2014/main" id="{58673B37-6CDA-6BE9-FAB3-66BFEFD1BBB7}"/>
+                <a16:creationId xmlns:a16="http://schemas.microsoft.com/office/drawing/2014/main" id="{9F48A731-08FE-D12D-79B8-EB9967BF1AAB}"/>
               </a:ext>
             </a:extLst>
           </p:cNvPr>
@@ -2715,7 +2715,7 @@
           <a:bodyPr/>
           <a:lstStyle/>
           <a:p>
-            <a:fld id="{A93E596B-7B39-45D4-BC4B-C77F4D4AE52E}" type="slidenum">
+            <a:fld id="{A93C2D39-BE77-418E-9803-52774BADAC00}" type="slidenum">
               <a:rPr lang="zh-CN" altLang="en-US" smtClean="0"/>
               <a:t>‹#›</a:t>
             </a:fld>
@@ -2726,7 +2726,7 @@
     </p:spTree>
     <p:extLst>
       <p:ext uri="{BB962C8B-B14F-4D97-AF65-F5344CB8AC3E}">
-        <p14:creationId xmlns:p14="http://schemas.microsoft.com/office/powerpoint/2010/main" val="3619733917"/>
+        <p14:creationId xmlns:p14="http://schemas.microsoft.com/office/powerpoint/2010/main" val="3614460598"/>
       </p:ext>
     </p:extLst>
   </p:cSld>
@@ -2763,7 +2763,7 @@
           <p:cNvPr id="2" name="标题占位符 1">
             <a:extLst>
               <a:ext uri="{FF2B5EF4-FFF2-40B4-BE49-F238E27FC236}">
-                <a16:creationId xmlns:a16="http://schemas.microsoft.com/office/drawing/2014/main" id="{1A24ABDC-4395-37EA-D2FD-95A605A82E4D}"/>
+                <a16:creationId xmlns:a16="http://schemas.microsoft.com/office/drawing/2014/main" id="{DE70B2A3-E43E-6C68-C72E-07D3431CF564}"/>
               </a:ext>
             </a:extLst>
           </p:cNvPr>
@@ -2801,7 +2801,7 @@
           <p:cNvPr id="3" name="文本占位符 2">
             <a:extLst>
               <a:ext uri="{FF2B5EF4-FFF2-40B4-BE49-F238E27FC236}">
-                <a16:creationId xmlns:a16="http://schemas.microsoft.com/office/drawing/2014/main" id="{ABD5A30A-02EC-6777-6F7A-D9F930E8EC6C}"/>
+                <a16:creationId xmlns:a16="http://schemas.microsoft.com/office/drawing/2014/main" id="{A1263712-9C8A-43D4-E868-26ACCC55A2DE}"/>
               </a:ext>
             </a:extLst>
           </p:cNvPr>
@@ -2868,7 +2868,7 @@
           <p:cNvPr id="4" name="日期占位符 3">
             <a:extLst>
               <a:ext uri="{FF2B5EF4-FFF2-40B4-BE49-F238E27FC236}">
-                <a16:creationId xmlns:a16="http://schemas.microsoft.com/office/drawing/2014/main" id="{7BCB4B9E-3D47-CA98-B661-802915A78779}"/>
+                <a16:creationId xmlns:a16="http://schemas.microsoft.com/office/drawing/2014/main" id="{E79E731A-CC5A-F33A-1F6B-F27D5CAF5068}"/>
               </a:ext>
             </a:extLst>
           </p:cNvPr>
@@ -2902,7 +2902,7 @@
             </a:lvl1pPr>
           </a:lstStyle>
           <a:p>
-            <a:fld id="{24CC145E-3B5C-4763-9AD2-ABDAC3D06510}" type="datetimeFigureOut">
+            <a:fld id="{329ADDA8-4AE2-40FD-9A65-D3B45B4AEA40}" type="datetimeFigureOut">
               <a:rPr lang="zh-CN" altLang="en-US" smtClean="0"/>
               <a:t>2024/3/10</a:t>
             </a:fld>
@@ -2915,7 +2915,7 @@
           <p:cNvPr id="5" name="页脚占位符 4">
             <a:extLst>
               <a:ext uri="{FF2B5EF4-FFF2-40B4-BE49-F238E27FC236}">
-                <a16:creationId xmlns:a16="http://schemas.microsoft.com/office/drawing/2014/main" id="{38BD6996-DA86-934B-1717-3769F0E06EA0}"/>
+                <a16:creationId xmlns:a16="http://schemas.microsoft.com/office/drawing/2014/main" id="{9EB79265-F520-B8BB-C968-443F52F0F653}"/>
               </a:ext>
             </a:extLst>
           </p:cNvPr>
@@ -2958,7 +2958,7 @@
           <p:cNvPr id="6" name="灯片编号占位符 5">
             <a:extLst>
               <a:ext uri="{FF2B5EF4-FFF2-40B4-BE49-F238E27FC236}">
-                <a16:creationId xmlns:a16="http://schemas.microsoft.com/office/drawing/2014/main" id="{F6B8E3B5-FC27-D1B1-A276-E4B235EB19AD}"/>
+                <a16:creationId xmlns:a16="http://schemas.microsoft.com/office/drawing/2014/main" id="{AEEA63D3-F25C-9E4D-4EA9-7BE176EB4FD3}"/>
               </a:ext>
             </a:extLst>
           </p:cNvPr>
@@ -2992,7 +2992,7 @@
             </a:lvl1pPr>
           </a:lstStyle>
           <a:p>
-            <a:fld id="{A93E596B-7B39-45D4-BC4B-C77F4D4AE52E}" type="slidenum">
+            <a:fld id="{A93C2D39-BE77-418E-9803-52774BADAC00}" type="slidenum">
               <a:rPr lang="zh-CN" altLang="en-US" smtClean="0"/>
               <a:t>‹#›</a:t>
             </a:fld>
@@ -3003,7 +3003,7 @@
     </p:spTree>
     <p:extLst>
       <p:ext uri="{BB962C8B-B14F-4D97-AF65-F5344CB8AC3E}">
-        <p14:creationId xmlns:p14="http://schemas.microsoft.com/office/powerpoint/2010/main" val="3398786676"/>
+        <p14:creationId xmlns:p14="http://schemas.microsoft.com/office/powerpoint/2010/main" val="4278843182"/>
       </p:ext>
     </p:extLst>
   </p:cSld>
